--- a/src/03프로그램 디자인 설명 Ver.1.0.pptx
+++ b/src/03프로그램 디자인 설명 Ver.1.0.pptx
@@ -12,6 +12,8 @@
     <p:sldId id="258" r:id="rId6"/>
     <p:sldId id="259" r:id="rId7"/>
     <p:sldId id="260" r:id="rId8"/>
+    <p:sldId id="266" r:id="rId9"/>
+    <p:sldId id="267" r:id="rId10"/>
   </p:sldIdLst>
   <p:sldSz cx="12192000" cy="6858000"/>
   <p:notesSz cx="6858000" cy="9144000"/>
@@ -267,7 +269,7 @@
           <a:p>
             <a:fld id="{A4CA24C9-C9EF-174C-A5E6-1E13F4B78FF8}" type="datetimeFigureOut">
               <a:rPr kumimoji="1" lang="ko-Kore-KR" altLang="en-US" smtClean="0"/>
-              <a:t>02/03/2022</a:t>
+              <a:t>02/04/2022</a:t>
             </a:fld>
             <a:endParaRPr kumimoji="1" lang="ko-Kore-KR" altLang="en-US"/>
           </a:p>
@@ -467,7 +469,7 @@
           <a:p>
             <a:fld id="{A4CA24C9-C9EF-174C-A5E6-1E13F4B78FF8}" type="datetimeFigureOut">
               <a:rPr kumimoji="1" lang="ko-Kore-KR" altLang="en-US" smtClean="0"/>
-              <a:t>02/03/2022</a:t>
+              <a:t>02/04/2022</a:t>
             </a:fld>
             <a:endParaRPr kumimoji="1" lang="ko-Kore-KR" altLang="en-US"/>
           </a:p>
@@ -677,7 +679,7 @@
           <a:p>
             <a:fld id="{A4CA24C9-C9EF-174C-A5E6-1E13F4B78FF8}" type="datetimeFigureOut">
               <a:rPr kumimoji="1" lang="ko-Kore-KR" altLang="en-US" smtClean="0"/>
-              <a:t>02/03/2022</a:t>
+              <a:t>02/04/2022</a:t>
             </a:fld>
             <a:endParaRPr kumimoji="1" lang="ko-Kore-KR" altLang="en-US"/>
           </a:p>
@@ -877,7 +879,7 @@
           <a:p>
             <a:fld id="{A4CA24C9-C9EF-174C-A5E6-1E13F4B78FF8}" type="datetimeFigureOut">
               <a:rPr kumimoji="1" lang="ko-Kore-KR" altLang="en-US" smtClean="0"/>
-              <a:t>02/03/2022</a:t>
+              <a:t>02/04/2022</a:t>
             </a:fld>
             <a:endParaRPr kumimoji="1" lang="ko-Kore-KR" altLang="en-US"/>
           </a:p>
@@ -1153,7 +1155,7 @@
           <a:p>
             <a:fld id="{A4CA24C9-C9EF-174C-A5E6-1E13F4B78FF8}" type="datetimeFigureOut">
               <a:rPr kumimoji="1" lang="ko-Kore-KR" altLang="en-US" smtClean="0"/>
-              <a:t>02/03/2022</a:t>
+              <a:t>02/04/2022</a:t>
             </a:fld>
             <a:endParaRPr kumimoji="1" lang="ko-Kore-KR" altLang="en-US"/>
           </a:p>
@@ -1421,7 +1423,7 @@
           <a:p>
             <a:fld id="{A4CA24C9-C9EF-174C-A5E6-1E13F4B78FF8}" type="datetimeFigureOut">
               <a:rPr kumimoji="1" lang="ko-Kore-KR" altLang="en-US" smtClean="0"/>
-              <a:t>02/03/2022</a:t>
+              <a:t>02/04/2022</a:t>
             </a:fld>
             <a:endParaRPr kumimoji="1" lang="ko-Kore-KR" altLang="en-US"/>
           </a:p>
@@ -1836,7 +1838,7 @@
           <a:p>
             <a:fld id="{A4CA24C9-C9EF-174C-A5E6-1E13F4B78FF8}" type="datetimeFigureOut">
               <a:rPr kumimoji="1" lang="ko-Kore-KR" altLang="en-US" smtClean="0"/>
-              <a:t>02/03/2022</a:t>
+              <a:t>02/04/2022</a:t>
             </a:fld>
             <a:endParaRPr kumimoji="1" lang="ko-Kore-KR" altLang="en-US"/>
           </a:p>
@@ -1978,7 +1980,7 @@
           <a:p>
             <a:fld id="{A4CA24C9-C9EF-174C-A5E6-1E13F4B78FF8}" type="datetimeFigureOut">
               <a:rPr kumimoji="1" lang="ko-Kore-KR" altLang="en-US" smtClean="0"/>
-              <a:t>02/03/2022</a:t>
+              <a:t>02/04/2022</a:t>
             </a:fld>
             <a:endParaRPr kumimoji="1" lang="ko-Kore-KR" altLang="en-US"/>
           </a:p>
@@ -2091,7 +2093,7 @@
           <a:p>
             <a:fld id="{A4CA24C9-C9EF-174C-A5E6-1E13F4B78FF8}" type="datetimeFigureOut">
               <a:rPr kumimoji="1" lang="ko-Kore-KR" altLang="en-US" smtClean="0"/>
-              <a:t>02/03/2022</a:t>
+              <a:t>02/04/2022</a:t>
             </a:fld>
             <a:endParaRPr kumimoji="1" lang="ko-Kore-KR" altLang="en-US"/>
           </a:p>
@@ -2404,7 +2406,7 @@
           <a:p>
             <a:fld id="{A4CA24C9-C9EF-174C-A5E6-1E13F4B78FF8}" type="datetimeFigureOut">
               <a:rPr kumimoji="1" lang="ko-Kore-KR" altLang="en-US" smtClean="0"/>
-              <a:t>02/03/2022</a:t>
+              <a:t>02/04/2022</a:t>
             </a:fld>
             <a:endParaRPr kumimoji="1" lang="ko-Kore-KR" altLang="en-US"/>
           </a:p>
@@ -2693,7 +2695,7 @@
           <a:p>
             <a:fld id="{A4CA24C9-C9EF-174C-A5E6-1E13F4B78FF8}" type="datetimeFigureOut">
               <a:rPr kumimoji="1" lang="ko-Kore-KR" altLang="en-US" smtClean="0"/>
-              <a:t>02/03/2022</a:t>
+              <a:t>02/04/2022</a:t>
             </a:fld>
             <a:endParaRPr kumimoji="1" lang="ko-Kore-KR" altLang="en-US"/>
           </a:p>
@@ -2936,7 +2938,7 @@
           <a:p>
             <a:fld id="{A4CA24C9-C9EF-174C-A5E6-1E13F4B78FF8}" type="datetimeFigureOut">
               <a:rPr kumimoji="1" lang="ko-Kore-KR" altLang="en-US" smtClean="0"/>
-              <a:t>02/03/2022</a:t>
+              <a:t>02/04/2022</a:t>
             </a:fld>
             <a:endParaRPr kumimoji="1" lang="ko-Kore-KR" altLang="en-US"/>
           </a:p>
@@ -6647,6 +6649,1024 @@
 </p:sld>
 </file>
 
+<file path=ppt/slides/slide8.xml><?xml version="1.0" encoding="utf-8"?>
+<p:sld xmlns:a="http://schemas.openxmlformats.org/drawingml/2006/main" xmlns:r="http://schemas.openxmlformats.org/officeDocument/2006/relationships" xmlns:p="http://schemas.openxmlformats.org/presentationml/2006/main">
+  <p:cSld>
+    <p:spTree>
+      <p:nvGrpSpPr>
+        <p:cNvPr id="1" name=""/>
+        <p:cNvGrpSpPr/>
+        <p:nvPr/>
+      </p:nvGrpSpPr>
+      <p:grpSpPr>
+        <a:xfrm>
+          <a:off x="0" y="0"/>
+          <a:ext cx="0" cy="0"/>
+          <a:chOff x="0" y="0"/>
+          <a:chExt cx="0" cy="0"/>
+        </a:xfrm>
+      </p:grpSpPr>
+      <p:sp>
+        <p:nvSpPr>
+          <p:cNvPr id="5" name="TextBox 4">
+            <a:extLst>
+              <a:ext uri="{FF2B5EF4-FFF2-40B4-BE49-F238E27FC236}">
+                <a16:creationId xmlns:a16="http://schemas.microsoft.com/office/drawing/2014/main" id="{C9BD3EDB-7B97-E24A-BF9D-53549283B6EE}"/>
+              </a:ext>
+            </a:extLst>
+          </p:cNvPr>
+          <p:cNvSpPr txBox="1"/>
+          <p:nvPr/>
+        </p:nvSpPr>
+        <p:spPr>
+          <a:xfrm>
+            <a:off x="1581665" y="352167"/>
+            <a:ext cx="9329351" cy="369332"/>
+          </a:xfrm>
+          <a:prstGeom prst="rect">
+            <a:avLst/>
+          </a:prstGeom>
+          <a:noFill/>
+          <a:ln>
+            <a:solidFill>
+              <a:schemeClr val="tx1"/>
+            </a:solidFill>
+          </a:ln>
+        </p:spPr>
+        <p:txBody>
+          <a:bodyPr wrap="square" rtlCol="0">
+            <a:spAutoFit/>
+          </a:bodyPr>
+          <a:lstStyle/>
+          <a:p>
+            <a:r>
+              <a:rPr kumimoji="1" lang="ko-Kore-KR" altLang="en-US" dirty="0"/>
+              <a:t>가계부</a:t>
+            </a:r>
+            <a:r>
+              <a:rPr kumimoji="1" lang="en-US" altLang="ko-Kore-KR" dirty="0"/>
+              <a:t>									</a:t>
+            </a:r>
+            <a:r>
+              <a:rPr kumimoji="1" lang="ko-KR" altLang="en-US" dirty="0"/>
+              <a:t>조회</a:t>
+            </a:r>
+            <a:endParaRPr kumimoji="1" lang="ko-Kore-KR" altLang="en-US" dirty="0"/>
+          </a:p>
+        </p:txBody>
+      </p:sp>
+      <p:sp>
+        <p:nvSpPr>
+          <p:cNvPr id="6" name="TextBox 5">
+            <a:extLst>
+              <a:ext uri="{FF2B5EF4-FFF2-40B4-BE49-F238E27FC236}">
+                <a16:creationId xmlns:a16="http://schemas.microsoft.com/office/drawing/2014/main" id="{C22CF60F-C90B-DF4C-AAF6-C8FF31BBE01B}"/>
+              </a:ext>
+            </a:extLst>
+          </p:cNvPr>
+          <p:cNvSpPr txBox="1"/>
+          <p:nvPr/>
+        </p:nvSpPr>
+        <p:spPr>
+          <a:xfrm>
+            <a:off x="1584980" y="723230"/>
+            <a:ext cx="9329351" cy="369332"/>
+          </a:xfrm>
+          <a:prstGeom prst="rect">
+            <a:avLst/>
+          </a:prstGeom>
+          <a:solidFill>
+            <a:srgbClr val="7977C4"/>
+          </a:solidFill>
+          <a:ln>
+            <a:solidFill>
+              <a:schemeClr val="tx1"/>
+            </a:solidFill>
+          </a:ln>
+        </p:spPr>
+        <p:txBody>
+          <a:bodyPr wrap="square" rtlCol="0">
+            <a:spAutoFit/>
+          </a:bodyPr>
+          <a:lstStyle/>
+          <a:p>
+            <a:r>
+              <a:rPr kumimoji="1" lang="en-US" altLang="ko-Kore-KR" dirty="0">
+                <a:solidFill>
+                  <a:schemeClr val="bg1"/>
+                </a:solidFill>
+              </a:rPr>
+              <a:t>x </a:t>
+            </a:r>
+            <a:r>
+              <a:rPr kumimoji="1" lang="ko-KR" altLang="en-US" dirty="0">
+                <a:solidFill>
+                  <a:schemeClr val="bg1"/>
+                </a:solidFill>
+              </a:rPr>
+              <a:t> 전체보기 </a:t>
+            </a:r>
+            <a:r>
+              <a:rPr kumimoji="1" lang="ko-Kore-KR" altLang="en-US" dirty="0">
+                <a:solidFill>
+                  <a:schemeClr val="bg1"/>
+                </a:solidFill>
+              </a:rPr>
+              <a:t>계좌조회</a:t>
+            </a:r>
+            <a:r>
+              <a:rPr kumimoji="1" lang="ko-KR" altLang="en-US" dirty="0">
+                <a:solidFill>
+                  <a:schemeClr val="bg1"/>
+                </a:solidFill>
+              </a:rPr>
+              <a:t> </a:t>
+            </a:r>
+            <a:r>
+              <a:rPr kumimoji="1" lang="ko-KR" altLang="en-US" dirty="0" err="1">
+                <a:solidFill>
+                  <a:schemeClr val="bg1"/>
+                </a:solidFill>
+              </a:rPr>
+              <a:t>카드조회</a:t>
+            </a:r>
+            <a:r>
+              <a:rPr kumimoji="1" lang="ko-KR" altLang="en-US" dirty="0">
+                <a:solidFill>
+                  <a:schemeClr val="bg1"/>
+                </a:solidFill>
+              </a:rPr>
+              <a:t> 비교</a:t>
+            </a:r>
+            <a:r>
+              <a:rPr kumimoji="1" lang="en-US" altLang="ko-KR" dirty="0">
+                <a:solidFill>
+                  <a:schemeClr val="bg1"/>
+                </a:solidFill>
+              </a:rPr>
+              <a:t>. </a:t>
+            </a:r>
+            <a:r>
+              <a:rPr kumimoji="1" lang="ko-KR" altLang="en-US" dirty="0">
+                <a:solidFill>
+                  <a:schemeClr val="bg1"/>
+                </a:solidFill>
+              </a:rPr>
+              <a:t>회원가입 로그인</a:t>
+            </a:r>
+            <a:endParaRPr kumimoji="1" lang="ko-Kore-KR" altLang="en-US" dirty="0">
+              <a:solidFill>
+                <a:schemeClr val="bg1"/>
+              </a:solidFill>
+            </a:endParaRPr>
+          </a:p>
+        </p:txBody>
+      </p:sp>
+      <p:sp>
+        <p:nvSpPr>
+          <p:cNvPr id="7" name="TextBox 6">
+            <a:extLst>
+              <a:ext uri="{FF2B5EF4-FFF2-40B4-BE49-F238E27FC236}">
+                <a16:creationId xmlns:a16="http://schemas.microsoft.com/office/drawing/2014/main" id="{65238008-822F-BE4F-AD51-8B9BE171404A}"/>
+              </a:ext>
+            </a:extLst>
+          </p:cNvPr>
+          <p:cNvSpPr txBox="1"/>
+          <p:nvPr/>
+        </p:nvSpPr>
+        <p:spPr>
+          <a:xfrm>
+            <a:off x="1591604" y="1116499"/>
+            <a:ext cx="9329351" cy="5355312"/>
+          </a:xfrm>
+          <a:prstGeom prst="rect">
+            <a:avLst/>
+          </a:prstGeom>
+          <a:noFill/>
+          <a:ln>
+            <a:solidFill>
+              <a:schemeClr val="tx1"/>
+            </a:solidFill>
+          </a:ln>
+        </p:spPr>
+        <p:txBody>
+          <a:bodyPr wrap="square" rtlCol="0">
+            <a:spAutoFit/>
+          </a:bodyPr>
+          <a:lstStyle/>
+          <a:p>
+            <a:endParaRPr kumimoji="1" lang="en-US" altLang="ko-Kore-KR" dirty="0"/>
+          </a:p>
+          <a:p>
+            <a:endParaRPr kumimoji="1" lang="en-US" altLang="ko-Kore-KR" dirty="0"/>
+          </a:p>
+          <a:p>
+            <a:endParaRPr kumimoji="1" lang="en-US" altLang="ko-Kore-KR" dirty="0"/>
+          </a:p>
+          <a:p>
+            <a:endParaRPr kumimoji="1" lang="en-US" altLang="ko-Kore-KR" dirty="0"/>
+          </a:p>
+          <a:p>
+            <a:endParaRPr kumimoji="1" lang="en-US" altLang="ko-Kore-KR" dirty="0"/>
+          </a:p>
+          <a:p>
+            <a:endParaRPr kumimoji="1" lang="en-US" altLang="ko-Kore-KR" dirty="0"/>
+          </a:p>
+          <a:p>
+            <a:endParaRPr kumimoji="1" lang="en-US" altLang="ko-Kore-KR" dirty="0"/>
+          </a:p>
+          <a:p>
+            <a:endParaRPr kumimoji="1" lang="en-US" altLang="ko-Kore-KR" dirty="0"/>
+          </a:p>
+          <a:p>
+            <a:endParaRPr kumimoji="1" lang="en-US" altLang="ko-Kore-KR" dirty="0"/>
+          </a:p>
+          <a:p>
+            <a:endParaRPr kumimoji="1" lang="en-US" altLang="ko-Kore-KR" dirty="0"/>
+          </a:p>
+          <a:p>
+            <a:endParaRPr kumimoji="1" lang="en-US" altLang="ko-Kore-KR" dirty="0"/>
+          </a:p>
+          <a:p>
+            <a:endParaRPr kumimoji="1" lang="en-US" altLang="ko-Kore-KR" dirty="0"/>
+          </a:p>
+          <a:p>
+            <a:endParaRPr kumimoji="1" lang="en-US" altLang="ko-Kore-KR" dirty="0"/>
+          </a:p>
+          <a:p>
+            <a:endParaRPr kumimoji="1" lang="en-US" altLang="ko-Kore-KR" dirty="0"/>
+          </a:p>
+          <a:p>
+            <a:endParaRPr kumimoji="1" lang="en-US" altLang="ko-Kore-KR" dirty="0"/>
+          </a:p>
+          <a:p>
+            <a:endParaRPr kumimoji="1" lang="en-US" altLang="ko-Kore-KR" dirty="0"/>
+          </a:p>
+          <a:p>
+            <a:endParaRPr kumimoji="1" lang="en-US" altLang="ko-Kore-KR" dirty="0"/>
+          </a:p>
+          <a:p>
+            <a:endParaRPr kumimoji="1" lang="en-US" altLang="ko-Kore-KR" dirty="0"/>
+          </a:p>
+          <a:p>
+            <a:endParaRPr kumimoji="1" lang="ko-Kore-KR" altLang="en-US" dirty="0"/>
+          </a:p>
+        </p:txBody>
+      </p:sp>
+      <p:sp>
+        <p:nvSpPr>
+          <p:cNvPr id="11" name="직사각형 10">
+            <a:extLst>
+              <a:ext uri="{FF2B5EF4-FFF2-40B4-BE49-F238E27FC236}">
+                <a16:creationId xmlns:a16="http://schemas.microsoft.com/office/drawing/2014/main" id="{CDF80398-4631-6F47-A8E0-29AAA787C1A0}"/>
+              </a:ext>
+            </a:extLst>
+          </p:cNvPr>
+          <p:cNvSpPr/>
+          <p:nvPr/>
+        </p:nvSpPr>
+        <p:spPr>
+          <a:xfrm>
+            <a:off x="1598230" y="1686186"/>
+            <a:ext cx="9329351" cy="4613013"/>
+          </a:xfrm>
+          <a:prstGeom prst="rect">
+            <a:avLst/>
+          </a:prstGeom>
+        </p:spPr>
+        <p:style>
+          <a:lnRef idx="2">
+            <a:schemeClr val="accent1">
+              <a:shade val="50000"/>
+            </a:schemeClr>
+          </a:lnRef>
+          <a:fillRef idx="1">
+            <a:schemeClr val="accent1"/>
+          </a:fillRef>
+          <a:effectRef idx="0">
+            <a:schemeClr val="accent1"/>
+          </a:effectRef>
+          <a:fontRef idx="minor">
+            <a:schemeClr val="lt1"/>
+          </a:fontRef>
+        </p:style>
+        <p:txBody>
+          <a:bodyPr rtlCol="0" anchor="ctr"/>
+          <a:lstStyle/>
+          <a:p>
+            <a:pPr algn="ctr"/>
+            <a:r>
+              <a:rPr kumimoji="1" lang="ko-KR" altLang="en-US" dirty="0"/>
+              <a:t>기록 내역들</a:t>
+            </a:r>
+            <a:endParaRPr kumimoji="1" lang="ko-Kore-KR" altLang="en-US" dirty="0"/>
+          </a:p>
+        </p:txBody>
+      </p:sp>
+      <p:sp>
+        <p:nvSpPr>
+          <p:cNvPr id="12" name="TextBox 11">
+            <a:extLst>
+              <a:ext uri="{FF2B5EF4-FFF2-40B4-BE49-F238E27FC236}">
+                <a16:creationId xmlns:a16="http://schemas.microsoft.com/office/drawing/2014/main" id="{E6634D0D-59B8-824A-95D1-8A0427A7D51B}"/>
+              </a:ext>
+            </a:extLst>
+          </p:cNvPr>
+          <p:cNvSpPr txBox="1"/>
+          <p:nvPr/>
+        </p:nvSpPr>
+        <p:spPr>
+          <a:xfrm>
+            <a:off x="248478" y="352167"/>
+            <a:ext cx="1281120" cy="646331"/>
+          </a:xfrm>
+          <a:prstGeom prst="rect">
+            <a:avLst/>
+          </a:prstGeom>
+          <a:noFill/>
+        </p:spPr>
+        <p:txBody>
+          <a:bodyPr wrap="none" rtlCol="0">
+            <a:spAutoFit/>
+          </a:bodyPr>
+          <a:lstStyle/>
+          <a:p>
+            <a:r>
+              <a:rPr kumimoji="1" lang="ko-KR" altLang="en-US" dirty="0"/>
+              <a:t>게시판</a:t>
+            </a:r>
+            <a:endParaRPr kumimoji="1" lang="en-US" altLang="ko-KR" dirty="0"/>
+          </a:p>
+          <a:p>
+            <a:r>
+              <a:rPr kumimoji="1" lang="en-US" altLang="en-US" dirty="0"/>
+              <a:t>(</a:t>
+            </a:r>
+            <a:r>
+              <a:rPr kumimoji="1" lang="ko-KR" altLang="en-US" dirty="0" err="1"/>
+              <a:t>잡</a:t>
+            </a:r>
+            <a:r>
+              <a:rPr kumimoji="1" lang="ko-KR" altLang="en-US" dirty="0"/>
+              <a:t> </a:t>
+            </a:r>
+            <a:r>
+              <a:rPr kumimoji="1" lang="en-US" altLang="ko-KR" dirty="0"/>
+              <a:t>&amp; </a:t>
+            </a:r>
+            <a:r>
+              <a:rPr kumimoji="1" lang="ko-KR" altLang="en-US" dirty="0"/>
+              <a:t>공지</a:t>
+            </a:r>
+            <a:r>
+              <a:rPr kumimoji="1" lang="en-US" altLang="ko-KR" dirty="0"/>
+              <a:t>)</a:t>
+            </a:r>
+            <a:endParaRPr kumimoji="1" lang="ko-Kore-KR" altLang="en-US" dirty="0"/>
+          </a:p>
+        </p:txBody>
+      </p:sp>
+      <p:sp>
+        <p:nvSpPr>
+          <p:cNvPr id="13" name="직사각형 12">
+            <a:extLst>
+              <a:ext uri="{FF2B5EF4-FFF2-40B4-BE49-F238E27FC236}">
+                <a16:creationId xmlns:a16="http://schemas.microsoft.com/office/drawing/2014/main" id="{464C60E5-9CEC-404D-B7C4-8038EBD8FBF9}"/>
+              </a:ext>
+            </a:extLst>
+          </p:cNvPr>
+          <p:cNvSpPr/>
+          <p:nvPr/>
+        </p:nvSpPr>
+        <p:spPr>
+          <a:xfrm>
+            <a:off x="9261446" y="1166833"/>
+            <a:ext cx="1649570" cy="469020"/>
+          </a:xfrm>
+          <a:prstGeom prst="rect">
+            <a:avLst/>
+          </a:prstGeom>
+        </p:spPr>
+        <p:style>
+          <a:lnRef idx="2">
+            <a:schemeClr val="accent1">
+              <a:shade val="50000"/>
+            </a:schemeClr>
+          </a:lnRef>
+          <a:fillRef idx="1">
+            <a:schemeClr val="accent1"/>
+          </a:fillRef>
+          <a:effectRef idx="0">
+            <a:schemeClr val="accent1"/>
+          </a:effectRef>
+          <a:fontRef idx="minor">
+            <a:schemeClr val="lt1"/>
+          </a:fontRef>
+        </p:style>
+        <p:txBody>
+          <a:bodyPr rtlCol="0" anchor="ctr"/>
+          <a:lstStyle/>
+          <a:p>
+            <a:pPr algn="ctr"/>
+            <a:r>
+              <a:rPr kumimoji="1" lang="ko-KR" altLang="en-US" dirty="0"/>
+              <a:t>글쓰기</a:t>
+            </a:r>
+            <a:endParaRPr kumimoji="1" lang="ko-Kore-KR" altLang="en-US" dirty="0"/>
+          </a:p>
+        </p:txBody>
+      </p:sp>
+    </p:spTree>
+    <p:extLst>
+      <p:ext uri="{BB962C8B-B14F-4D97-AF65-F5344CB8AC3E}">
+        <p14:creationId xmlns:p14="http://schemas.microsoft.com/office/powerpoint/2010/main" val="1491377647"/>
+      </p:ext>
+    </p:extLst>
+  </p:cSld>
+  <p:clrMapOvr>
+    <a:masterClrMapping/>
+  </p:clrMapOvr>
+</p:sld>
+</file>
+
+<file path=ppt/slides/slide9.xml><?xml version="1.0" encoding="utf-8"?>
+<p:sld xmlns:a="http://schemas.openxmlformats.org/drawingml/2006/main" xmlns:r="http://schemas.openxmlformats.org/officeDocument/2006/relationships" xmlns:p="http://schemas.openxmlformats.org/presentationml/2006/main">
+  <p:cSld>
+    <p:spTree>
+      <p:nvGrpSpPr>
+        <p:cNvPr id="1" name=""/>
+        <p:cNvGrpSpPr/>
+        <p:nvPr/>
+      </p:nvGrpSpPr>
+      <p:grpSpPr>
+        <a:xfrm>
+          <a:off x="0" y="0"/>
+          <a:ext cx="0" cy="0"/>
+          <a:chOff x="0" y="0"/>
+          <a:chExt cx="0" cy="0"/>
+        </a:xfrm>
+      </p:grpSpPr>
+      <p:sp>
+        <p:nvSpPr>
+          <p:cNvPr id="5" name="TextBox 4">
+            <a:extLst>
+              <a:ext uri="{FF2B5EF4-FFF2-40B4-BE49-F238E27FC236}">
+                <a16:creationId xmlns:a16="http://schemas.microsoft.com/office/drawing/2014/main" id="{C9BD3EDB-7B97-E24A-BF9D-53549283B6EE}"/>
+              </a:ext>
+            </a:extLst>
+          </p:cNvPr>
+          <p:cNvSpPr txBox="1"/>
+          <p:nvPr/>
+        </p:nvSpPr>
+        <p:spPr>
+          <a:xfrm>
+            <a:off x="1581665" y="352167"/>
+            <a:ext cx="9329351" cy="369332"/>
+          </a:xfrm>
+          <a:prstGeom prst="rect">
+            <a:avLst/>
+          </a:prstGeom>
+          <a:noFill/>
+          <a:ln>
+            <a:solidFill>
+              <a:schemeClr val="tx1"/>
+            </a:solidFill>
+          </a:ln>
+        </p:spPr>
+        <p:txBody>
+          <a:bodyPr wrap="square" rtlCol="0">
+            <a:spAutoFit/>
+          </a:bodyPr>
+          <a:lstStyle/>
+          <a:p>
+            <a:r>
+              <a:rPr kumimoji="1" lang="ko-Kore-KR" altLang="en-US" dirty="0"/>
+              <a:t>가계부</a:t>
+            </a:r>
+            <a:r>
+              <a:rPr kumimoji="1" lang="en-US" altLang="ko-Kore-KR" dirty="0"/>
+              <a:t>									</a:t>
+            </a:r>
+            <a:r>
+              <a:rPr kumimoji="1" lang="ko-KR" altLang="en-US" dirty="0"/>
+              <a:t>조회</a:t>
+            </a:r>
+            <a:endParaRPr kumimoji="1" lang="ko-Kore-KR" altLang="en-US" dirty="0"/>
+          </a:p>
+        </p:txBody>
+      </p:sp>
+      <p:sp>
+        <p:nvSpPr>
+          <p:cNvPr id="6" name="TextBox 5">
+            <a:extLst>
+              <a:ext uri="{FF2B5EF4-FFF2-40B4-BE49-F238E27FC236}">
+                <a16:creationId xmlns:a16="http://schemas.microsoft.com/office/drawing/2014/main" id="{C22CF60F-C90B-DF4C-AAF6-C8FF31BBE01B}"/>
+              </a:ext>
+            </a:extLst>
+          </p:cNvPr>
+          <p:cNvSpPr txBox="1"/>
+          <p:nvPr/>
+        </p:nvSpPr>
+        <p:spPr>
+          <a:xfrm>
+            <a:off x="1584980" y="723230"/>
+            <a:ext cx="9329351" cy="369332"/>
+          </a:xfrm>
+          <a:prstGeom prst="rect">
+            <a:avLst/>
+          </a:prstGeom>
+          <a:solidFill>
+            <a:srgbClr val="7977C4"/>
+          </a:solidFill>
+          <a:ln>
+            <a:solidFill>
+              <a:schemeClr val="tx1"/>
+            </a:solidFill>
+          </a:ln>
+        </p:spPr>
+        <p:txBody>
+          <a:bodyPr wrap="square" rtlCol="0">
+            <a:spAutoFit/>
+          </a:bodyPr>
+          <a:lstStyle/>
+          <a:p>
+            <a:r>
+              <a:rPr kumimoji="1" lang="en-US" altLang="ko-Kore-KR" dirty="0">
+                <a:solidFill>
+                  <a:schemeClr val="bg1"/>
+                </a:solidFill>
+              </a:rPr>
+              <a:t>x </a:t>
+            </a:r>
+            <a:r>
+              <a:rPr kumimoji="1" lang="ko-KR" altLang="en-US" dirty="0">
+                <a:solidFill>
+                  <a:schemeClr val="bg1"/>
+                </a:solidFill>
+              </a:rPr>
+              <a:t> 전체보기 </a:t>
+            </a:r>
+            <a:r>
+              <a:rPr kumimoji="1" lang="ko-Kore-KR" altLang="en-US" dirty="0">
+                <a:solidFill>
+                  <a:schemeClr val="bg1"/>
+                </a:solidFill>
+              </a:rPr>
+              <a:t>계좌조회</a:t>
+            </a:r>
+            <a:r>
+              <a:rPr kumimoji="1" lang="ko-KR" altLang="en-US" dirty="0">
+                <a:solidFill>
+                  <a:schemeClr val="bg1"/>
+                </a:solidFill>
+              </a:rPr>
+              <a:t> </a:t>
+            </a:r>
+            <a:r>
+              <a:rPr kumimoji="1" lang="ko-KR" altLang="en-US" dirty="0" err="1">
+                <a:solidFill>
+                  <a:schemeClr val="bg1"/>
+                </a:solidFill>
+              </a:rPr>
+              <a:t>카드조회</a:t>
+            </a:r>
+            <a:r>
+              <a:rPr kumimoji="1" lang="ko-KR" altLang="en-US" dirty="0">
+                <a:solidFill>
+                  <a:schemeClr val="bg1"/>
+                </a:solidFill>
+              </a:rPr>
+              <a:t> 비교</a:t>
+            </a:r>
+            <a:r>
+              <a:rPr kumimoji="1" lang="en-US" altLang="ko-KR" dirty="0">
+                <a:solidFill>
+                  <a:schemeClr val="bg1"/>
+                </a:solidFill>
+              </a:rPr>
+              <a:t>. </a:t>
+            </a:r>
+            <a:r>
+              <a:rPr kumimoji="1" lang="ko-KR" altLang="en-US" dirty="0">
+                <a:solidFill>
+                  <a:schemeClr val="bg1"/>
+                </a:solidFill>
+              </a:rPr>
+              <a:t>회원가입 로그인</a:t>
+            </a:r>
+            <a:endParaRPr kumimoji="1" lang="ko-Kore-KR" altLang="en-US" dirty="0">
+              <a:solidFill>
+                <a:schemeClr val="bg1"/>
+              </a:solidFill>
+            </a:endParaRPr>
+          </a:p>
+        </p:txBody>
+      </p:sp>
+      <p:sp>
+        <p:nvSpPr>
+          <p:cNvPr id="7" name="TextBox 6">
+            <a:extLst>
+              <a:ext uri="{FF2B5EF4-FFF2-40B4-BE49-F238E27FC236}">
+                <a16:creationId xmlns:a16="http://schemas.microsoft.com/office/drawing/2014/main" id="{65238008-822F-BE4F-AD51-8B9BE171404A}"/>
+              </a:ext>
+            </a:extLst>
+          </p:cNvPr>
+          <p:cNvSpPr txBox="1"/>
+          <p:nvPr/>
+        </p:nvSpPr>
+        <p:spPr>
+          <a:xfrm>
+            <a:off x="1591604" y="1116499"/>
+            <a:ext cx="9329351" cy="5355312"/>
+          </a:xfrm>
+          <a:prstGeom prst="rect">
+            <a:avLst/>
+          </a:prstGeom>
+          <a:noFill/>
+          <a:ln>
+            <a:solidFill>
+              <a:schemeClr val="tx1"/>
+            </a:solidFill>
+          </a:ln>
+        </p:spPr>
+        <p:txBody>
+          <a:bodyPr wrap="square" rtlCol="0">
+            <a:spAutoFit/>
+          </a:bodyPr>
+          <a:lstStyle/>
+          <a:p>
+            <a:endParaRPr kumimoji="1" lang="en-US" altLang="ko-Kore-KR" dirty="0"/>
+          </a:p>
+          <a:p>
+            <a:endParaRPr kumimoji="1" lang="en-US" altLang="ko-Kore-KR" dirty="0"/>
+          </a:p>
+          <a:p>
+            <a:endParaRPr kumimoji="1" lang="en-US" altLang="ko-Kore-KR" dirty="0"/>
+          </a:p>
+          <a:p>
+            <a:endParaRPr kumimoji="1" lang="en-US" altLang="ko-Kore-KR" dirty="0"/>
+          </a:p>
+          <a:p>
+            <a:endParaRPr kumimoji="1" lang="en-US" altLang="ko-Kore-KR" dirty="0"/>
+          </a:p>
+          <a:p>
+            <a:endParaRPr kumimoji="1" lang="en-US" altLang="ko-Kore-KR" dirty="0"/>
+          </a:p>
+          <a:p>
+            <a:endParaRPr kumimoji="1" lang="en-US" altLang="ko-Kore-KR" dirty="0"/>
+          </a:p>
+          <a:p>
+            <a:endParaRPr kumimoji="1" lang="en-US" altLang="ko-Kore-KR" dirty="0"/>
+          </a:p>
+          <a:p>
+            <a:endParaRPr kumimoji="1" lang="en-US" altLang="ko-Kore-KR" dirty="0"/>
+          </a:p>
+          <a:p>
+            <a:endParaRPr kumimoji="1" lang="en-US" altLang="ko-Kore-KR" dirty="0"/>
+          </a:p>
+          <a:p>
+            <a:endParaRPr kumimoji="1" lang="en-US" altLang="ko-Kore-KR" dirty="0"/>
+          </a:p>
+          <a:p>
+            <a:endParaRPr kumimoji="1" lang="en-US" altLang="ko-Kore-KR" dirty="0"/>
+          </a:p>
+          <a:p>
+            <a:endParaRPr kumimoji="1" lang="en-US" altLang="ko-Kore-KR" dirty="0"/>
+          </a:p>
+          <a:p>
+            <a:endParaRPr kumimoji="1" lang="en-US" altLang="ko-Kore-KR" dirty="0"/>
+          </a:p>
+          <a:p>
+            <a:endParaRPr kumimoji="1" lang="en-US" altLang="ko-Kore-KR" dirty="0"/>
+          </a:p>
+          <a:p>
+            <a:endParaRPr kumimoji="1" lang="en-US" altLang="ko-Kore-KR" dirty="0"/>
+          </a:p>
+          <a:p>
+            <a:endParaRPr kumimoji="1" lang="en-US" altLang="ko-Kore-KR" dirty="0"/>
+          </a:p>
+          <a:p>
+            <a:endParaRPr kumimoji="1" lang="en-US" altLang="ko-Kore-KR" dirty="0"/>
+          </a:p>
+          <a:p>
+            <a:endParaRPr kumimoji="1" lang="ko-Kore-KR" altLang="en-US" dirty="0"/>
+          </a:p>
+        </p:txBody>
+      </p:sp>
+      <p:sp>
+        <p:nvSpPr>
+          <p:cNvPr id="11" name="직사각형 10">
+            <a:extLst>
+              <a:ext uri="{FF2B5EF4-FFF2-40B4-BE49-F238E27FC236}">
+                <a16:creationId xmlns:a16="http://schemas.microsoft.com/office/drawing/2014/main" id="{CDF80398-4631-6F47-A8E0-29AAA787C1A0}"/>
+              </a:ext>
+            </a:extLst>
+          </p:cNvPr>
+          <p:cNvSpPr/>
+          <p:nvPr/>
+        </p:nvSpPr>
+        <p:spPr>
+          <a:xfrm>
+            <a:off x="1598230" y="1686187"/>
+            <a:ext cx="9329351" cy="2949313"/>
+          </a:xfrm>
+          <a:prstGeom prst="rect">
+            <a:avLst/>
+          </a:prstGeom>
+        </p:spPr>
+        <p:style>
+          <a:lnRef idx="2">
+            <a:schemeClr val="accent1">
+              <a:shade val="50000"/>
+            </a:schemeClr>
+          </a:lnRef>
+          <a:fillRef idx="1">
+            <a:schemeClr val="accent1"/>
+          </a:fillRef>
+          <a:effectRef idx="0">
+            <a:schemeClr val="accent1"/>
+          </a:effectRef>
+          <a:fontRef idx="minor">
+            <a:schemeClr val="lt1"/>
+          </a:fontRef>
+        </p:style>
+        <p:txBody>
+          <a:bodyPr rtlCol="0" anchor="ctr"/>
+          <a:lstStyle/>
+          <a:p>
+            <a:pPr algn="ctr"/>
+            <a:r>
+              <a:rPr kumimoji="1" lang="ko-KR" altLang="en-US"/>
+              <a:t>글 내용</a:t>
+            </a:r>
+            <a:endParaRPr kumimoji="1" lang="ko-Kore-KR" altLang="en-US" dirty="0"/>
+          </a:p>
+        </p:txBody>
+      </p:sp>
+      <p:sp>
+        <p:nvSpPr>
+          <p:cNvPr id="12" name="TextBox 11">
+            <a:extLst>
+              <a:ext uri="{FF2B5EF4-FFF2-40B4-BE49-F238E27FC236}">
+                <a16:creationId xmlns:a16="http://schemas.microsoft.com/office/drawing/2014/main" id="{E6634D0D-59B8-824A-95D1-8A0427A7D51B}"/>
+              </a:ext>
+            </a:extLst>
+          </p:cNvPr>
+          <p:cNvSpPr txBox="1"/>
+          <p:nvPr/>
+        </p:nvSpPr>
+        <p:spPr>
+          <a:xfrm>
+            <a:off x="248478" y="352167"/>
+            <a:ext cx="1249060" cy="646331"/>
+          </a:xfrm>
+          <a:prstGeom prst="rect">
+            <a:avLst/>
+          </a:prstGeom>
+          <a:noFill/>
+        </p:spPr>
+        <p:txBody>
+          <a:bodyPr wrap="none" rtlCol="0">
+            <a:spAutoFit/>
+          </a:bodyPr>
+          <a:lstStyle/>
+          <a:p>
+            <a:r>
+              <a:rPr kumimoji="1" lang="ko-KR" altLang="en-US" dirty="0"/>
+              <a:t>게시판</a:t>
+            </a:r>
+            <a:endParaRPr kumimoji="1" lang="en-US" altLang="ko-KR" dirty="0"/>
+          </a:p>
+          <a:p>
+            <a:r>
+              <a:rPr kumimoji="1" lang="en-US" altLang="en-US" dirty="0"/>
+              <a:t>(</a:t>
+            </a:r>
+            <a:r>
+              <a:rPr kumimoji="1" lang="ko-KR" altLang="en-US" dirty="0"/>
+              <a:t>세부내역</a:t>
+            </a:r>
+            <a:r>
+              <a:rPr kumimoji="1" lang="en-US" altLang="ko-KR" dirty="0"/>
+              <a:t>)</a:t>
+            </a:r>
+            <a:endParaRPr kumimoji="1" lang="ko-Kore-KR" altLang="en-US" dirty="0"/>
+          </a:p>
+        </p:txBody>
+      </p:sp>
+      <p:sp>
+        <p:nvSpPr>
+          <p:cNvPr id="13" name="직사각형 12">
+            <a:extLst>
+              <a:ext uri="{FF2B5EF4-FFF2-40B4-BE49-F238E27FC236}">
+                <a16:creationId xmlns:a16="http://schemas.microsoft.com/office/drawing/2014/main" id="{464C60E5-9CEC-404D-B7C4-8038EBD8FBF9}"/>
+              </a:ext>
+            </a:extLst>
+          </p:cNvPr>
+          <p:cNvSpPr/>
+          <p:nvPr/>
+        </p:nvSpPr>
+        <p:spPr>
+          <a:xfrm>
+            <a:off x="9261446" y="1166833"/>
+            <a:ext cx="1649570" cy="469020"/>
+          </a:xfrm>
+          <a:prstGeom prst="rect">
+            <a:avLst/>
+          </a:prstGeom>
+        </p:spPr>
+        <p:style>
+          <a:lnRef idx="2">
+            <a:schemeClr val="accent1">
+              <a:shade val="50000"/>
+            </a:schemeClr>
+          </a:lnRef>
+          <a:fillRef idx="1">
+            <a:schemeClr val="accent1"/>
+          </a:fillRef>
+          <a:effectRef idx="0">
+            <a:schemeClr val="accent1"/>
+          </a:effectRef>
+          <a:fontRef idx="minor">
+            <a:schemeClr val="lt1"/>
+          </a:fontRef>
+        </p:style>
+        <p:txBody>
+          <a:bodyPr rtlCol="0" anchor="ctr"/>
+          <a:lstStyle/>
+          <a:p>
+            <a:pPr algn="ctr"/>
+            <a:r>
+              <a:rPr kumimoji="1" lang="ko-KR" altLang="en-US" dirty="0"/>
+              <a:t>삭제</a:t>
+            </a:r>
+            <a:endParaRPr kumimoji="1" lang="ko-Kore-KR" altLang="en-US" dirty="0"/>
+          </a:p>
+        </p:txBody>
+      </p:sp>
+      <p:sp>
+        <p:nvSpPr>
+          <p:cNvPr id="14" name="직사각형 13">
+            <a:extLst>
+              <a:ext uri="{FF2B5EF4-FFF2-40B4-BE49-F238E27FC236}">
+                <a16:creationId xmlns:a16="http://schemas.microsoft.com/office/drawing/2014/main" id="{9BD5D7FA-3C06-4353-8D78-E1A7CABE055C}"/>
+              </a:ext>
+            </a:extLst>
+          </p:cNvPr>
+          <p:cNvSpPr/>
+          <p:nvPr/>
+        </p:nvSpPr>
+        <p:spPr>
+          <a:xfrm>
+            <a:off x="9238807" y="4727230"/>
+            <a:ext cx="1649570" cy="469020"/>
+          </a:xfrm>
+          <a:prstGeom prst="rect">
+            <a:avLst/>
+          </a:prstGeom>
+        </p:spPr>
+        <p:style>
+          <a:lnRef idx="2">
+            <a:schemeClr val="accent1">
+              <a:shade val="50000"/>
+            </a:schemeClr>
+          </a:lnRef>
+          <a:fillRef idx="1">
+            <a:schemeClr val="accent1"/>
+          </a:fillRef>
+          <a:effectRef idx="0">
+            <a:schemeClr val="accent1"/>
+          </a:effectRef>
+          <a:fontRef idx="minor">
+            <a:schemeClr val="lt1"/>
+          </a:fontRef>
+        </p:style>
+        <p:txBody>
+          <a:bodyPr rtlCol="0" anchor="ctr"/>
+          <a:lstStyle/>
+          <a:p>
+            <a:pPr algn="ctr"/>
+            <a:r>
+              <a:rPr kumimoji="1" lang="ko-KR" altLang="en-US" dirty="0"/>
+              <a:t>돌아가기</a:t>
+            </a:r>
+            <a:endParaRPr kumimoji="1" lang="ko-Kore-KR" altLang="en-US" dirty="0"/>
+          </a:p>
+        </p:txBody>
+      </p:sp>
+      <p:sp>
+        <p:nvSpPr>
+          <p:cNvPr id="9" name="직사각형 8">
+            <a:extLst>
+              <a:ext uri="{FF2B5EF4-FFF2-40B4-BE49-F238E27FC236}">
+                <a16:creationId xmlns:a16="http://schemas.microsoft.com/office/drawing/2014/main" id="{F66C1091-ACB9-4595-A87A-5C0726648B70}"/>
+              </a:ext>
+            </a:extLst>
+          </p:cNvPr>
+          <p:cNvSpPr/>
+          <p:nvPr/>
+        </p:nvSpPr>
+        <p:spPr>
+          <a:xfrm>
+            <a:off x="7589237" y="1166833"/>
+            <a:ext cx="1649570" cy="469020"/>
+          </a:xfrm>
+          <a:prstGeom prst="rect">
+            <a:avLst/>
+          </a:prstGeom>
+        </p:spPr>
+        <p:style>
+          <a:lnRef idx="2">
+            <a:schemeClr val="accent1">
+              <a:shade val="50000"/>
+            </a:schemeClr>
+          </a:lnRef>
+          <a:fillRef idx="1">
+            <a:schemeClr val="accent1"/>
+          </a:fillRef>
+          <a:effectRef idx="0">
+            <a:schemeClr val="accent1"/>
+          </a:effectRef>
+          <a:fontRef idx="minor">
+            <a:schemeClr val="lt1"/>
+          </a:fontRef>
+        </p:style>
+        <p:txBody>
+          <a:bodyPr rtlCol="0" anchor="ctr"/>
+          <a:lstStyle/>
+          <a:p>
+            <a:pPr algn="ctr"/>
+            <a:r>
+              <a:rPr kumimoji="1" lang="ko-KR" altLang="en-US"/>
+              <a:t>수정</a:t>
+            </a:r>
+            <a:endParaRPr kumimoji="1" lang="ko-Kore-KR" altLang="en-US" dirty="0"/>
+          </a:p>
+        </p:txBody>
+      </p:sp>
+      <p:sp>
+        <p:nvSpPr>
+          <p:cNvPr id="10" name="직사각형 9">
+            <a:extLst>
+              <a:ext uri="{FF2B5EF4-FFF2-40B4-BE49-F238E27FC236}">
+                <a16:creationId xmlns:a16="http://schemas.microsoft.com/office/drawing/2014/main" id="{0284FAF7-F81E-46CF-88A3-8404B350B533}"/>
+              </a:ext>
+            </a:extLst>
+          </p:cNvPr>
+          <p:cNvSpPr/>
+          <p:nvPr/>
+        </p:nvSpPr>
+        <p:spPr>
+          <a:xfrm>
+            <a:off x="1609826" y="5241346"/>
+            <a:ext cx="9329351" cy="1230465"/>
+          </a:xfrm>
+          <a:prstGeom prst="rect">
+            <a:avLst/>
+          </a:prstGeom>
+        </p:spPr>
+        <p:style>
+          <a:lnRef idx="2">
+            <a:schemeClr val="accent1">
+              <a:shade val="50000"/>
+            </a:schemeClr>
+          </a:lnRef>
+          <a:fillRef idx="1">
+            <a:schemeClr val="accent1"/>
+          </a:fillRef>
+          <a:effectRef idx="0">
+            <a:schemeClr val="accent1"/>
+          </a:effectRef>
+          <a:fontRef idx="minor">
+            <a:schemeClr val="lt1"/>
+          </a:fontRef>
+        </p:style>
+        <p:txBody>
+          <a:bodyPr rtlCol="0" anchor="ctr"/>
+          <a:lstStyle/>
+          <a:p>
+            <a:pPr algn="ctr"/>
+            <a:r>
+              <a:rPr kumimoji="1" lang="ko-KR" altLang="en-US" dirty="0"/>
+              <a:t>댓글 내용</a:t>
+            </a:r>
+            <a:endParaRPr kumimoji="1" lang="ko-Kore-KR" altLang="en-US" dirty="0"/>
+          </a:p>
+        </p:txBody>
+      </p:sp>
+    </p:spTree>
+    <p:extLst>
+      <p:ext uri="{BB962C8B-B14F-4D97-AF65-F5344CB8AC3E}">
+        <p14:creationId xmlns:p14="http://schemas.microsoft.com/office/powerpoint/2010/main" val="3959566027"/>
+      </p:ext>
+    </p:extLst>
+  </p:cSld>
+  <p:clrMapOvr>
+    <a:masterClrMapping/>
+  </p:clrMapOvr>
+</p:sld>
+</file>
+
 <file path=ppt/theme/theme1.xml><?xml version="1.0" encoding="utf-8"?>
 <a:theme xmlns:a="http://schemas.openxmlformats.org/drawingml/2006/main" name="Office 테마">
   <a:themeElements>
